--- a/man-3d-alignment.pptx
+++ b/man-3d-alignment.pptx
@@ -104,6 +104,11 @@
       </a:defRPr>
     </a:lvl9pPr>
   </p:defaultTextStyle>
+  <p:extLst>
+    <p:ext uri="{EFAFB233-063F-42B5-8137-9DF3F51BA10A}">
+      <p15:sldGuideLst xmlns:p15="http://schemas.microsoft.com/office/powerpoint/2012/main"/>
+    </p:ext>
+  </p:extLst>
 </p:presentation>
 </file>
 
@@ -3323,10 +3328,10 @@
       </p:grpSpPr>
       <p:pic>
         <p:nvPicPr>
-          <p:cNvPr id="7" name="Picture 6">
-            <a:extLst>
-              <a:ext uri="{FF2B5EF4-FFF2-40B4-BE49-F238E27FC236}">
-                <a16:creationId xmlns:a16="http://schemas.microsoft.com/office/drawing/2014/main" id="{D79C1DE1-CDB0-A613-D2C1-15C8815EE5C4}"/>
+          <p:cNvPr id="4" name="Picture 3">
+            <a:extLst>
+              <a:ext uri="{FF2B5EF4-FFF2-40B4-BE49-F238E27FC236}">
+                <a16:creationId xmlns:a16="http://schemas.microsoft.com/office/drawing/2014/main" id="{891F3353-E4F8-E4FD-2314-D0FAE3BCC018}"/>
               </a:ext>
             </a:extLst>
           </p:cNvPr>
@@ -3335,16 +3340,44 @@
           </p:cNvPicPr>
           <p:nvPr/>
         </p:nvPicPr>
-        <p:blipFill>
+        <p:blipFill rotWithShape="1">
           <a:blip r:embed="rId2"/>
-          <a:stretch>
-            <a:fillRect/>
-          </a:stretch>
+          <a:srcRect r="50000"/>
+          <a:stretch/>
         </p:blipFill>
         <p:spPr>
           <a:xfrm>
-            <a:off x="0" y="373058"/>
-            <a:ext cx="12192000" cy="6111883"/>
+            <a:off x="6096000" y="373057"/>
+            <a:ext cx="6096000" cy="6111883"/>
+          </a:xfrm>
+          <a:prstGeom prst="rect">
+            <a:avLst/>
+          </a:prstGeom>
+        </p:spPr>
+      </p:pic>
+      <p:pic>
+        <p:nvPicPr>
+          <p:cNvPr id="5" name="Picture 4">
+            <a:extLst>
+              <a:ext uri="{FF2B5EF4-FFF2-40B4-BE49-F238E27FC236}">
+                <a16:creationId xmlns:a16="http://schemas.microsoft.com/office/drawing/2014/main" id="{B746770A-C657-5C28-5009-5FEF7EE84F34}"/>
+              </a:ext>
+            </a:extLst>
+          </p:cNvPr>
+          <p:cNvPicPr>
+            <a:picLocks noChangeAspect="1"/>
+          </p:cNvPicPr>
+          <p:nvPr/>
+        </p:nvPicPr>
+        <p:blipFill rotWithShape="1">
+          <a:blip r:embed="rId2"/>
+          <a:srcRect l="50000"/>
+          <a:stretch/>
+        </p:blipFill>
+        <p:spPr>
+          <a:xfrm>
+            <a:off x="0" y="373057"/>
+            <a:ext cx="6096000" cy="6111883"/>
           </a:xfrm>
           <a:prstGeom prst="rect">
             <a:avLst/>
